--- a/_resources/templates/pptx/nord-theme.pptx
+++ b/_resources/templates/pptx/nord-theme.pptx
@@ -285,7 +285,7 @@
           <a:p>
             <a:fld id="{241EB5C9-1307-BA42-ABA2-0BC069CD8E7F}" type="datetimeFigureOut">
               <a:rPr lang="en-US" smtClean="0"/>
-              <a:t>5/10/20</a:t>
+              <a:t>1/31/22</a:t>
             </a:fld>
             <a:endParaRPr lang="en-US"/>
           </a:p>
@@ -493,7 +493,7 @@
           <a:p>
             <a:fld id="{241EB5C9-1307-BA42-ABA2-0BC069CD8E7F}" type="datetimeFigureOut">
               <a:rPr lang="en-US" smtClean="0"/>
-              <a:t>5/10/20</a:t>
+              <a:t>1/31/22</a:t>
             </a:fld>
             <a:endParaRPr lang="en-US"/>
           </a:p>
@@ -711,7 +711,7 @@
           <a:p>
             <a:fld id="{241EB5C9-1307-BA42-ABA2-0BC069CD8E7F}" type="datetimeFigureOut">
               <a:rPr lang="en-US" smtClean="0"/>
-              <a:t>5/10/20</a:t>
+              <a:t>1/31/22</a:t>
             </a:fld>
             <a:endParaRPr lang="en-US"/>
           </a:p>
@@ -991,7 +991,7 @@
           <a:p>
             <a:fld id="{241EB5C9-1307-BA42-ABA2-0BC069CD8E7F}" type="datetimeFigureOut">
               <a:rPr lang="en-US" smtClean="0"/>
-              <a:t>5/10/20</a:t>
+              <a:t>1/31/22</a:t>
             </a:fld>
             <a:endParaRPr lang="en-US"/>
           </a:p>
@@ -1201,7 +1201,7 @@
           <a:p>
             <a:fld id="{241EB5C9-1307-BA42-ABA2-0BC069CD8E7F}" type="datetimeFigureOut">
               <a:rPr lang="en-US" smtClean="0"/>
-              <a:t>5/10/20</a:t>
+              <a:t>1/31/22</a:t>
             </a:fld>
             <a:endParaRPr lang="en-US"/>
           </a:p>
@@ -1358,7 +1358,7 @@
           <a:p>
             <a:fld id="{241EB5C9-1307-BA42-ABA2-0BC069CD8E7F}" type="datetimeFigureOut">
               <a:rPr lang="en-US" smtClean="0"/>
-              <a:t>5/10/20</a:t>
+              <a:t>1/31/22</a:t>
             </a:fld>
             <a:endParaRPr lang="en-US"/>
           </a:p>
@@ -1634,7 +1634,7 @@
           <a:p>
             <a:fld id="{241EB5C9-1307-BA42-ABA2-0BC069CD8E7F}" type="datetimeFigureOut">
               <a:rPr lang="en-US" smtClean="0"/>
-              <a:t>5/10/20</a:t>
+              <a:t>1/31/22</a:t>
             </a:fld>
             <a:endParaRPr lang="en-US"/>
           </a:p>
@@ -2069,7 +2069,7 @@
           <a:p>
             <a:fld id="{241EB5C9-1307-BA42-ABA2-0BC069CD8E7F}" type="datetimeFigureOut">
               <a:rPr lang="en-US" smtClean="0"/>
-              <a:t>5/10/20</a:t>
+              <a:t>1/31/22</a:t>
             </a:fld>
             <a:endParaRPr lang="en-US"/>
           </a:p>
@@ -2219,7 +2219,7 @@
           <a:p>
             <a:fld id="{241EB5C9-1307-BA42-ABA2-0BC069CD8E7F}" type="datetimeFigureOut">
               <a:rPr lang="en-US" smtClean="0"/>
-              <a:t>5/10/20</a:t>
+              <a:t>1/31/22</a:t>
             </a:fld>
             <a:endParaRPr lang="en-US"/>
           </a:p>
@@ -2332,7 +2332,7 @@
           <a:p>
             <a:fld id="{241EB5C9-1307-BA42-ABA2-0BC069CD8E7F}" type="datetimeFigureOut">
               <a:rPr lang="en-US" smtClean="0"/>
-              <a:t>5/10/20</a:t>
+              <a:t>1/31/22</a:t>
             </a:fld>
             <a:endParaRPr lang="en-US"/>
           </a:p>
@@ -2445,7 +2445,7 @@
           </a:xfrm>
         </p:spPr>
         <p:txBody>
-          <a:bodyPr anchor="b">
+          <a:bodyPr anchor="ctr">
             <a:normAutofit/>
           </a:bodyPr>
           <a:lstStyle>
@@ -2586,7 +2586,7 @@
           <a:lstStyle>
             <a:lvl1pPr marL="0" indent="0">
               <a:buNone/>
-              <a:defRPr sz="1400"/>
+              <a:defRPr sz="1800"/>
             </a:lvl1pPr>
             <a:lvl2pPr marL="257175" indent="0">
               <a:buNone/>
@@ -2653,7 +2653,7 @@
           <a:p>
             <a:fld id="{241EB5C9-1307-BA42-ABA2-0BC069CD8E7F}" type="datetimeFigureOut">
               <a:rPr lang="en-US" smtClean="0"/>
-              <a:t>5/10/20</a:t>
+              <a:t>1/31/22</a:t>
             </a:fld>
             <a:endParaRPr lang="en-US"/>
           </a:p>
@@ -2766,10 +2766,12 @@
           </a:xfrm>
         </p:spPr>
         <p:txBody>
-          <a:bodyPr anchor="b"/>
+          <a:bodyPr anchor="ctr">
+            <a:normAutofit/>
+          </a:bodyPr>
           <a:lstStyle>
             <a:lvl1pPr>
-              <a:defRPr sz="1800">
+              <a:defRPr sz="2800">
                 <a:solidFill>
                   <a:srgbClr val="4B556B"/>
                 </a:solidFill>
@@ -2879,11 +2881,13 @@
           </a:xfrm>
         </p:spPr>
         <p:txBody>
-          <a:bodyPr/>
+          <a:bodyPr>
+            <a:normAutofit/>
+          </a:bodyPr>
           <a:lstStyle>
             <a:lvl1pPr marL="0" indent="0">
               <a:buNone/>
-              <a:defRPr sz="900"/>
+              <a:defRPr sz="1800"/>
             </a:lvl1pPr>
             <a:lvl2pPr marL="257175" indent="0">
               <a:buNone/>
@@ -2921,7 +2925,7 @@
           <a:p>
             <a:pPr lvl="0"/>
             <a:r>
-              <a:rPr lang="en-GB"/>
+              <a:rPr lang="en-GB" dirty="0"/>
               <a:t>Click to edit Master text styles</a:t>
             </a:r>
           </a:p>
@@ -2950,7 +2954,7 @@
           <a:p>
             <a:fld id="{241EB5C9-1307-BA42-ABA2-0BC069CD8E7F}" type="datetimeFigureOut">
               <a:rPr lang="en-US" smtClean="0"/>
-              <a:t>5/10/20</a:t>
+              <a:t>1/31/22</a:t>
             </a:fld>
             <a:endParaRPr lang="en-US"/>
           </a:p>
@@ -3193,7 +3197,7 @@
           <a:p>
             <a:fld id="{241EB5C9-1307-BA42-ABA2-0BC069CD8E7F}" type="datetimeFigureOut">
               <a:rPr lang="en-US" smtClean="0"/>
-              <a:t>5/10/20</a:t>
+              <a:t>1/31/22</a:t>
             </a:fld>
             <a:endParaRPr lang="en-US"/>
           </a:p>
@@ -3359,7 +3363,7 @@
         </a:spcBef>
         <a:buFont typeface="Arial" panose="020B0604020202020204" pitchFamily="34" charset="0"/>
         <a:buChar char="•"/>
-        <a:defRPr sz="1600" kern="1200">
+        <a:defRPr sz="1800" kern="1200">
           <a:solidFill>
             <a:srgbClr val="3A4152"/>
           </a:solidFill>
@@ -3377,7 +3381,7 @@
         </a:spcBef>
         <a:buFont typeface="Arial" panose="020B0604020202020204" pitchFamily="34" charset="0"/>
         <a:buChar char="•"/>
-        <a:defRPr sz="1400" kern="1200">
+        <a:defRPr sz="1800" kern="1200">
           <a:solidFill>
             <a:srgbClr val="3A4152"/>
           </a:solidFill>
@@ -3395,7 +3399,7 @@
         </a:spcBef>
         <a:buFont typeface="Arial" panose="020B0604020202020204" pitchFamily="34" charset="0"/>
         <a:buChar char="•"/>
-        <a:defRPr sz="1200" kern="1200">
+        <a:defRPr sz="1800" kern="1200">
           <a:solidFill>
             <a:srgbClr val="3A4152"/>
           </a:solidFill>
@@ -3413,7 +3417,7 @@
         </a:spcBef>
         <a:buFont typeface="Arial" panose="020B0604020202020204" pitchFamily="34" charset="0"/>
         <a:buChar char="•"/>
-        <a:defRPr sz="1200" kern="1200">
+        <a:defRPr sz="1800" kern="1200">
           <a:solidFill>
             <a:srgbClr val="3A4152"/>
           </a:solidFill>
